--- a/man/figures/logo.pptx
+++ b/man/figures/logo.pptx
@@ -243,7 +243,7 @@
           <a:p>
             <a:fld id="{8AA7341E-E8D5-574D-9C77-42D65F8270B5}" type="datetimeFigureOut">
               <a:rPr lang="en-US" smtClean="0"/>
-              <a:t>May 4</a:t>
+              <a:t>May 12</a:t>
             </a:fld>
             <a:endParaRPr lang="en-US"/>
           </a:p>
@@ -413,7 +413,7 @@
           <a:p>
             <a:fld id="{8AA7341E-E8D5-574D-9C77-42D65F8270B5}" type="datetimeFigureOut">
               <a:rPr lang="en-US" smtClean="0"/>
-              <a:t>May 4</a:t>
+              <a:t>May 12</a:t>
             </a:fld>
             <a:endParaRPr lang="en-US"/>
           </a:p>
@@ -593,7 +593,7 @@
           <a:p>
             <a:fld id="{8AA7341E-E8D5-574D-9C77-42D65F8270B5}" type="datetimeFigureOut">
               <a:rPr lang="en-US" smtClean="0"/>
-              <a:t>May 4</a:t>
+              <a:t>May 12</a:t>
             </a:fld>
             <a:endParaRPr lang="en-US"/>
           </a:p>
@@ -763,7 +763,7 @@
           <a:p>
             <a:fld id="{8AA7341E-E8D5-574D-9C77-42D65F8270B5}" type="datetimeFigureOut">
               <a:rPr lang="en-US" smtClean="0"/>
-              <a:t>May 4</a:t>
+              <a:t>May 12</a:t>
             </a:fld>
             <a:endParaRPr lang="en-US"/>
           </a:p>
@@ -1007,7 +1007,7 @@
           <a:p>
             <a:fld id="{8AA7341E-E8D5-574D-9C77-42D65F8270B5}" type="datetimeFigureOut">
               <a:rPr lang="en-US" smtClean="0"/>
-              <a:t>May 4</a:t>
+              <a:t>May 12</a:t>
             </a:fld>
             <a:endParaRPr lang="en-US"/>
           </a:p>
@@ -1239,7 +1239,7 @@
           <a:p>
             <a:fld id="{8AA7341E-E8D5-574D-9C77-42D65F8270B5}" type="datetimeFigureOut">
               <a:rPr lang="en-US" smtClean="0"/>
-              <a:t>May 4</a:t>
+              <a:t>May 12</a:t>
             </a:fld>
             <a:endParaRPr lang="en-US"/>
           </a:p>
@@ -1606,7 +1606,7 @@
           <a:p>
             <a:fld id="{8AA7341E-E8D5-574D-9C77-42D65F8270B5}" type="datetimeFigureOut">
               <a:rPr lang="en-US" smtClean="0"/>
-              <a:t>May 4</a:t>
+              <a:t>May 12</a:t>
             </a:fld>
             <a:endParaRPr lang="en-US"/>
           </a:p>
@@ -1724,7 +1724,7 @@
           <a:p>
             <a:fld id="{8AA7341E-E8D5-574D-9C77-42D65F8270B5}" type="datetimeFigureOut">
               <a:rPr lang="en-US" smtClean="0"/>
-              <a:t>May 4</a:t>
+              <a:t>May 12</a:t>
             </a:fld>
             <a:endParaRPr lang="en-US"/>
           </a:p>
@@ -1819,7 +1819,7 @@
           <a:p>
             <a:fld id="{8AA7341E-E8D5-574D-9C77-42D65F8270B5}" type="datetimeFigureOut">
               <a:rPr lang="en-US" smtClean="0"/>
-              <a:t>May 4</a:t>
+              <a:t>May 12</a:t>
             </a:fld>
             <a:endParaRPr lang="en-US"/>
           </a:p>
@@ -2096,7 +2096,7 @@
           <a:p>
             <a:fld id="{8AA7341E-E8D5-574D-9C77-42D65F8270B5}" type="datetimeFigureOut">
               <a:rPr lang="en-US" smtClean="0"/>
-              <a:t>May 4</a:t>
+              <a:t>May 12</a:t>
             </a:fld>
             <a:endParaRPr lang="en-US"/>
           </a:p>
@@ -2353,7 +2353,7 @@
           <a:p>
             <a:fld id="{8AA7341E-E8D5-574D-9C77-42D65F8270B5}" type="datetimeFigureOut">
               <a:rPr lang="en-US" smtClean="0"/>
-              <a:t>May 4</a:t>
+              <a:t>May 12</a:t>
             </a:fld>
             <a:endParaRPr lang="en-US"/>
           </a:p>
@@ -2566,7 +2566,7 @@
           <a:p>
             <a:fld id="{8AA7341E-E8D5-574D-9C77-42D65F8270B5}" type="datetimeFigureOut">
               <a:rPr lang="en-US" smtClean="0"/>
-              <a:t>May 4</a:t>
+              <a:t>May 12</a:t>
             </a:fld>
             <a:endParaRPr lang="en-US"/>
           </a:p>
@@ -3086,60 +3086,6 @@
       </p:sp>
       <p:sp>
         <p:nvSpPr>
-          <p:cNvPr id="59" name="Isosceles Triangle 58">
-            <a:extLst>
-              <a:ext uri="{FF2B5EF4-FFF2-40B4-BE49-F238E27FC236}">
-                <a16:creationId xmlns:a16="http://schemas.microsoft.com/office/drawing/2014/main" id="{915DB7F4-2C73-4227-A542-83C2B9ADCF8D}"/>
-              </a:ext>
-            </a:extLst>
-          </p:cNvPr>
-          <p:cNvSpPr/>
-          <p:nvPr/>
-        </p:nvSpPr>
-        <p:spPr>
-          <a:xfrm flipV="1">
-            <a:off x="1257316" y="19102082"/>
-            <a:ext cx="13375177" cy="3396154"/>
-          </a:xfrm>
-          <a:prstGeom prst="triangle">
-            <a:avLst>
-              <a:gd name="adj" fmla="val 50125"/>
-            </a:avLst>
-          </a:prstGeom>
-          <a:solidFill>
-            <a:srgbClr val="4C6E91"/>
-          </a:solidFill>
-          <a:ln>
-            <a:noFill/>
-          </a:ln>
-        </p:spPr>
-        <p:style>
-          <a:lnRef idx="2">
-            <a:schemeClr val="accent1">
-              <a:shade val="50000"/>
-            </a:schemeClr>
-          </a:lnRef>
-          <a:fillRef idx="1">
-            <a:schemeClr val="accent1"/>
-          </a:fillRef>
-          <a:effectRef idx="0">
-            <a:schemeClr val="accent1"/>
-          </a:effectRef>
-          <a:fontRef idx="minor">
-            <a:schemeClr val="lt1"/>
-          </a:fontRef>
-        </p:style>
-        <p:txBody>
-          <a:bodyPr rtlCol="0" anchor="ctr"/>
-          <a:lstStyle/>
-          <a:p>
-            <a:pPr algn="ctr"/>
-            <a:endParaRPr lang="en-US"/>
-          </a:p>
-        </p:txBody>
-      </p:sp>
-      <p:sp>
-        <p:nvSpPr>
           <p:cNvPr id="61" name="Parallelogram 60">
             <a:extLst>
               <a:ext uri="{FF2B5EF4-FFF2-40B4-BE49-F238E27FC236}">
@@ -3248,60 +3194,6 @@
       </p:sp>
       <p:sp>
         <p:nvSpPr>
-          <p:cNvPr id="55" name="Parallelogram 54">
-            <a:extLst>
-              <a:ext uri="{FF2B5EF4-FFF2-40B4-BE49-F238E27FC236}">
-                <a16:creationId xmlns:a16="http://schemas.microsoft.com/office/drawing/2014/main" id="{25F355D1-1CDC-44EB-9341-517D29A390EF}"/>
-              </a:ext>
-            </a:extLst>
-          </p:cNvPr>
-          <p:cNvSpPr/>
-          <p:nvPr/>
-        </p:nvSpPr>
-        <p:spPr>
-          <a:xfrm>
-            <a:off x="1523997" y="11405062"/>
-            <a:ext cx="17728279" cy="8163098"/>
-          </a:xfrm>
-          <a:prstGeom prst="parallelogram">
-            <a:avLst>
-              <a:gd name="adj" fmla="val 25186"/>
-            </a:avLst>
-          </a:prstGeom>
-          <a:solidFill>
-            <a:srgbClr val="4C6E91"/>
-          </a:solidFill>
-          <a:ln>
-            <a:noFill/>
-          </a:ln>
-        </p:spPr>
-        <p:style>
-          <a:lnRef idx="2">
-            <a:schemeClr val="accent1">
-              <a:shade val="50000"/>
-            </a:schemeClr>
-          </a:lnRef>
-          <a:fillRef idx="1">
-            <a:schemeClr val="accent1"/>
-          </a:fillRef>
-          <a:effectRef idx="0">
-            <a:schemeClr val="accent1"/>
-          </a:effectRef>
-          <a:fontRef idx="minor">
-            <a:schemeClr val="lt1"/>
-          </a:fontRef>
-        </p:style>
-        <p:txBody>
-          <a:bodyPr rtlCol="0" anchor="ctr"/>
-          <a:lstStyle/>
-          <a:p>
-            <a:pPr algn="ctr"/>
-            <a:endParaRPr lang="en-US"/>
-          </a:p>
-        </p:txBody>
-      </p:sp>
-      <p:sp>
-        <p:nvSpPr>
           <p:cNvPr id="4" name="TextBox 3">
             <a:extLst>
               <a:ext uri="{FF2B5EF4-FFF2-40B4-BE49-F238E27FC236}">
@@ -3344,60 +3236,6 @@
               </a:solidFill>
               <a:latin typeface="Bodoni* 11" pitchFamily="50" charset="0"/>
             </a:endParaRPr>
-          </a:p>
-        </p:txBody>
-      </p:sp>
-      <p:sp>
-        <p:nvSpPr>
-          <p:cNvPr id="60" name="Parallelogram 59">
-            <a:extLst>
-              <a:ext uri="{FF2B5EF4-FFF2-40B4-BE49-F238E27FC236}">
-                <a16:creationId xmlns:a16="http://schemas.microsoft.com/office/drawing/2014/main" id="{A752D186-809C-4BF3-8FE4-61C19EA48CD2}"/>
-              </a:ext>
-            </a:extLst>
-          </p:cNvPr>
-          <p:cNvSpPr/>
-          <p:nvPr/>
-        </p:nvSpPr>
-        <p:spPr>
-          <a:xfrm>
-            <a:off x="864021" y="10171798"/>
-            <a:ext cx="6710090" cy="8489375"/>
-          </a:xfrm>
-          <a:prstGeom prst="parallelogram">
-            <a:avLst>
-              <a:gd name="adj" fmla="val 25186"/>
-            </a:avLst>
-          </a:prstGeom>
-          <a:solidFill>
-            <a:srgbClr val="4C6E91"/>
-          </a:solidFill>
-          <a:ln>
-            <a:noFill/>
-          </a:ln>
-        </p:spPr>
-        <p:style>
-          <a:lnRef idx="2">
-            <a:schemeClr val="accent1">
-              <a:shade val="50000"/>
-            </a:schemeClr>
-          </a:lnRef>
-          <a:fillRef idx="1">
-            <a:schemeClr val="accent1"/>
-          </a:fillRef>
-          <a:effectRef idx="0">
-            <a:schemeClr val="accent1"/>
-          </a:effectRef>
-          <a:fontRef idx="minor">
-            <a:schemeClr val="lt1"/>
-          </a:fontRef>
-        </p:style>
-        <p:txBody>
-          <a:bodyPr rtlCol="0" anchor="ctr"/>
-          <a:lstStyle/>
-          <a:p>
-            <a:pPr algn="ctr"/>
-            <a:endParaRPr lang="en-US"/>
           </a:p>
         </p:txBody>
       </p:sp>
@@ -3545,60 +3383,6 @@
           </a:prstGeom>
         </p:spPr>
       </p:pic>
-      <p:sp>
-        <p:nvSpPr>
-          <p:cNvPr id="58" name="Isosceles Triangle 57">
-            <a:extLst>
-              <a:ext uri="{FF2B5EF4-FFF2-40B4-BE49-F238E27FC236}">
-                <a16:creationId xmlns:a16="http://schemas.microsoft.com/office/drawing/2014/main" id="{735A3BE7-558F-4C4F-B2BC-C061E224E0A5}"/>
-              </a:ext>
-            </a:extLst>
-          </p:cNvPr>
-          <p:cNvSpPr/>
-          <p:nvPr/>
-        </p:nvSpPr>
-        <p:spPr>
-          <a:xfrm flipV="1">
-            <a:off x="4285207" y="20831695"/>
-            <a:ext cx="13375177" cy="3396154"/>
-          </a:xfrm>
-          <a:prstGeom prst="triangle">
-            <a:avLst>
-              <a:gd name="adj" fmla="val 50125"/>
-            </a:avLst>
-          </a:prstGeom>
-          <a:solidFill>
-            <a:srgbClr val="4C6E91"/>
-          </a:solidFill>
-          <a:ln>
-            <a:noFill/>
-          </a:ln>
-        </p:spPr>
-        <p:style>
-          <a:lnRef idx="2">
-            <a:schemeClr val="accent1">
-              <a:shade val="50000"/>
-            </a:schemeClr>
-          </a:lnRef>
-          <a:fillRef idx="1">
-            <a:schemeClr val="accent1"/>
-          </a:fillRef>
-          <a:effectRef idx="0">
-            <a:schemeClr val="accent1"/>
-          </a:effectRef>
-          <a:fontRef idx="minor">
-            <a:schemeClr val="lt1"/>
-          </a:fontRef>
-        </p:style>
-        <p:txBody>
-          <a:bodyPr rtlCol="0" anchor="ctr"/>
-          <a:lstStyle/>
-          <a:p>
-            <a:pPr algn="ctr"/>
-            <a:endParaRPr lang="en-US"/>
-          </a:p>
-        </p:txBody>
-      </p:sp>
       <p:sp>
         <p:nvSpPr>
           <p:cNvPr id="56" name="Hexagon 55">
